--- a/ДОКУМЕНТЫ/МАТЕРИАЛ СТАТЬИ/время 5г тв).pptx
+++ b/ДОКУМЕНТЫ/МАТЕРИАЛ СТАТЬИ/время 5г тв).pptx
@@ -286,7 +286,7 @@
           <a:p>
             <a:fld id="{1D8BD707-D9CF-40AE-B4C6-C98DA3205C09}" type="datetimeFigureOut">
               <a:rPr lang="en-US" smtClean="0"/>
-              <a:t>11/1/2024</a:t>
+              <a:t>7/5/2025</a:t>
             </a:fld>
             <a:endParaRPr lang="en-US"/>
           </a:p>
@@ -489,7 +489,7 @@
           <a:p>
             <a:fld id="{1D8BD707-D9CF-40AE-B4C6-C98DA3205C09}" type="datetimeFigureOut">
               <a:rPr lang="en-US" smtClean="0"/>
-              <a:t>11/1/2024</a:t>
+              <a:t>7/5/2025</a:t>
             </a:fld>
             <a:endParaRPr lang="en-US"/>
           </a:p>
@@ -702,7 +702,7 @@
           <a:p>
             <a:fld id="{1D8BD707-D9CF-40AE-B4C6-C98DA3205C09}" type="datetimeFigureOut">
               <a:rPr lang="en-US" smtClean="0"/>
-              <a:t>11/1/2024</a:t>
+              <a:t>7/5/2025</a:t>
             </a:fld>
             <a:endParaRPr lang="en-US"/>
           </a:p>
@@ -905,7 +905,7 @@
           <a:p>
             <a:fld id="{1D8BD707-D9CF-40AE-B4C6-C98DA3205C09}" type="datetimeFigureOut">
               <a:rPr lang="en-US" smtClean="0"/>
-              <a:t>11/1/2024</a:t>
+              <a:t>7/5/2025</a:t>
             </a:fld>
             <a:endParaRPr lang="en-US"/>
           </a:p>
@@ -1185,7 +1185,7 @@
           <a:p>
             <a:fld id="{1D8BD707-D9CF-40AE-B4C6-C98DA3205C09}" type="datetimeFigureOut">
               <a:rPr lang="en-US" smtClean="0"/>
-              <a:t>11/1/2024</a:t>
+              <a:t>7/5/2025</a:t>
             </a:fld>
             <a:endParaRPr lang="en-US"/>
           </a:p>
@@ -1455,7 +1455,7 @@
           <a:p>
             <a:fld id="{1D8BD707-D9CF-40AE-B4C6-C98DA3205C09}" type="datetimeFigureOut">
               <a:rPr lang="en-US" smtClean="0"/>
-              <a:t>11/1/2024</a:t>
+              <a:t>7/5/2025</a:t>
             </a:fld>
             <a:endParaRPr lang="en-US"/>
           </a:p>
@@ -1872,7 +1872,7 @@
           <a:p>
             <a:fld id="{1D8BD707-D9CF-40AE-B4C6-C98DA3205C09}" type="datetimeFigureOut">
               <a:rPr lang="en-US" smtClean="0"/>
-              <a:t>11/1/2024</a:t>
+              <a:t>7/5/2025</a:t>
             </a:fld>
             <a:endParaRPr lang="en-US"/>
           </a:p>
@@ -2018,7 +2018,7 @@
           <a:p>
             <a:fld id="{1D8BD707-D9CF-40AE-B4C6-C98DA3205C09}" type="datetimeFigureOut">
               <a:rPr lang="en-US" smtClean="0"/>
-              <a:t>11/1/2024</a:t>
+              <a:t>7/5/2025</a:t>
             </a:fld>
             <a:endParaRPr lang="en-US"/>
           </a:p>
@@ -2136,7 +2136,7 @@
           <a:p>
             <a:fld id="{1D8BD707-D9CF-40AE-B4C6-C98DA3205C09}" type="datetimeFigureOut">
               <a:rPr lang="en-US" smtClean="0"/>
-              <a:t>11/1/2024</a:t>
+              <a:t>7/5/2025</a:t>
             </a:fld>
             <a:endParaRPr lang="en-US"/>
           </a:p>
@@ -2452,7 +2452,7 @@
           <a:p>
             <a:fld id="{1D8BD707-D9CF-40AE-B4C6-C98DA3205C09}" type="datetimeFigureOut">
               <a:rPr lang="en-US" smtClean="0"/>
-              <a:t>11/1/2024</a:t>
+              <a:t>7/5/2025</a:t>
             </a:fld>
             <a:endParaRPr lang="en-US"/>
           </a:p>
@@ -2745,7 +2745,7 @@
           <a:p>
             <a:fld id="{1D8BD707-D9CF-40AE-B4C6-C98DA3205C09}" type="datetimeFigureOut">
               <a:rPr lang="en-US" smtClean="0"/>
-              <a:t>11/1/2024</a:t>
+              <a:t>7/5/2025</a:t>
             </a:fld>
             <a:endParaRPr lang="en-US"/>
           </a:p>
@@ -2991,7 +2991,7 @@
           <a:p>
             <a:fld id="{1D8BD707-D9CF-40AE-B4C6-C98DA3205C09}" type="datetimeFigureOut">
               <a:rPr lang="en-US" smtClean="0"/>
-              <a:t>11/1/2024</a:t>
+              <a:t>7/5/2025</a:t>
             </a:fld>
             <a:endParaRPr lang="en-US"/>
           </a:p>
@@ -7701,7 +7701,7 @@
         <p:spPr>
           <a:xfrm>
             <a:off x="351029" y="1829897"/>
-            <a:ext cx="4756785" cy="1459374"/>
+            <a:ext cx="4881334" cy="1459374"/>
           </a:xfrm>
           <a:prstGeom prst="rect">
             <a:avLst/>
@@ -9185,7 +9185,7 @@
               </a:rPr>
               <a:t>GNSS</a:t>
             </a:r>
-            <a:endParaRPr sz="800">
+            <a:endParaRPr sz="800" dirty="0">
               <a:latin typeface="Arial MT"/>
               <a:cs typeface="Arial MT"/>
             </a:endParaRPr>
@@ -9756,7 +9756,7 @@
               </a:rPr>
               <a:t>Signal</a:t>
             </a:r>
-            <a:endParaRPr sz="800">
+            <a:endParaRPr sz="800" dirty="0">
               <a:latin typeface="Arial MT"/>
               <a:cs typeface="Arial MT"/>
             </a:endParaRPr>
